--- a/Leçon chimie/LC 16/LC16- Classification périodique.pptx
+++ b/Leçon chimie/LC 16/LC16- Classification périodique.pptx
@@ -5,27 +5,29 @@
     <p:sldMasterId id="2147483648" r:id="rId1"/>
   </p:sldMasterIdLst>
   <p:notesMasterIdLst>
-    <p:notesMasterId r:id="rId17"/>
+    <p:notesMasterId r:id="rId19"/>
   </p:notesMasterIdLst>
   <p:handoutMasterIdLst>
-    <p:handoutMasterId r:id="rId18"/>
+    <p:handoutMasterId r:id="rId20"/>
   </p:handoutMasterIdLst>
   <p:sldIdLst>
     <p:sldId id="256" r:id="rId2"/>
     <p:sldId id="278" r:id="rId3"/>
     <p:sldId id="268" r:id="rId4"/>
     <p:sldId id="273" r:id="rId5"/>
-    <p:sldId id="279" r:id="rId6"/>
-    <p:sldId id="269" r:id="rId7"/>
-    <p:sldId id="270" r:id="rId8"/>
-    <p:sldId id="274" r:id="rId9"/>
-    <p:sldId id="272" r:id="rId10"/>
-    <p:sldId id="277" r:id="rId11"/>
-    <p:sldId id="276" r:id="rId12"/>
-    <p:sldId id="275" r:id="rId13"/>
-    <p:sldId id="280" r:id="rId14"/>
-    <p:sldId id="282" r:id="rId15"/>
-    <p:sldId id="281" r:id="rId16"/>
+    <p:sldId id="284" r:id="rId6"/>
+    <p:sldId id="285" r:id="rId7"/>
+    <p:sldId id="279" r:id="rId8"/>
+    <p:sldId id="269" r:id="rId9"/>
+    <p:sldId id="270" r:id="rId10"/>
+    <p:sldId id="274" r:id="rId11"/>
+    <p:sldId id="272" r:id="rId12"/>
+    <p:sldId id="277" r:id="rId13"/>
+    <p:sldId id="276" r:id="rId14"/>
+    <p:sldId id="275" r:id="rId15"/>
+    <p:sldId id="280" r:id="rId16"/>
+    <p:sldId id="282" r:id="rId17"/>
+    <p:sldId id="281" r:id="rId18"/>
   </p:sldIdLst>
   <p:sldSz cx="9144000" cy="6858000" type="screen4x3"/>
   <p:notesSz cx="6858000" cy="9144000"/>
@@ -209,7 +211,7 @@
           <a:p>
             <a:fld id="{90725D6B-EE1C-9249-A27F-6F494F9D78D8}" type="datetimeFigureOut">
               <a:rPr lang="fr-FR" smtClean="0"/>
-              <a:t>12/05/20</a:t>
+              <a:t>21/06/20</a:t>
             </a:fld>
             <a:endParaRPr lang="fr-FR"/>
           </a:p>
@@ -375,7 +377,7 @@
           <a:p>
             <a:fld id="{F1C80929-518B-134A-8179-D1A83BB878B5}" type="datetimeFigureOut">
               <a:rPr lang="fr-FR" smtClean="0"/>
-              <a:t>12/05/20</a:t>
+              <a:t>21/06/20</a:t>
             </a:fld>
             <a:endParaRPr lang="fr-FR"/>
           </a:p>
@@ -3838,12 +3840,18 @@
         </p:nvSpPr>
         <p:spPr/>
         <p:txBody>
-          <a:bodyPr/>
-          <a:lstStyle/>
-          <a:p>
-            <a:r>
-              <a:rPr lang="fr-FR" dirty="0" smtClean="0"/>
-              <a:t>Pouvoir oxydant de Cl2</a:t>
+          <a:bodyPr>
+            <a:normAutofit fontScale="90000"/>
+          </a:bodyPr>
+          <a:lstStyle/>
+          <a:p>
+            <a:r>
+              <a:rPr lang="fr-FR" dirty="0" smtClean="0">
+                <a:solidFill>
+                  <a:schemeClr val="accent2"/>
+                </a:solidFill>
+              </a:rPr>
+              <a:t>Tableau périodique actuel, présentation des familles</a:t>
             </a:r>
             <a:endParaRPr lang="fr-FR" dirty="0"/>
           </a:p>
@@ -3890,6 +3898,330 @@
             <a:fld id="{81C8E63E-4CB2-004B-B081-365B8D55E7E9}" type="slidenum">
               <a:rPr lang="fr-FR" smtClean="0"/>
               <a:t>9</a:t>
+            </a:fld>
+            <a:endParaRPr lang="fr-FR"/>
+          </a:p>
+        </p:txBody>
+      </p:sp>
+      <p:pic>
+        <p:nvPicPr>
+          <p:cNvPr id="7" name="Image 6" descr="Capture d’écran 2020-01-30 à 13.06.22.png"/>
+          <p:cNvPicPr>
+            <a:picLocks noChangeAspect="1"/>
+          </p:cNvPicPr>
+          <p:nvPr/>
+        </p:nvPicPr>
+        <p:blipFill>
+          <a:blip r:embed="rId2">
+            <a:extLst>
+              <a:ext uri="{28A0092B-C50C-407E-A947-70E740481C1C}">
+                <a14:useLocalDpi xmlns:a14="http://schemas.microsoft.com/office/drawing/2010/main" val="0"/>
+              </a:ext>
+            </a:extLst>
+          </a:blip>
+          <a:stretch>
+            <a:fillRect/>
+          </a:stretch>
+        </p:blipFill>
+        <p:spPr>
+          <a:xfrm>
+            <a:off x="107104" y="1764654"/>
+            <a:ext cx="9036896" cy="4609475"/>
+          </a:xfrm>
+          <a:prstGeom prst="rect">
+            <a:avLst/>
+          </a:prstGeom>
+          <a:scene3d>
+            <a:camera prst="orthographicFront">
+              <a:rot lat="0" lon="0" rev="60000"/>
+            </a:camera>
+            <a:lightRig rig="threePt" dir="t"/>
+          </a:scene3d>
+        </p:spPr>
+      </p:pic>
+    </p:spTree>
+    <p:extLst>
+      <p:ext uri="{BB962C8B-B14F-4D97-AF65-F5344CB8AC3E}">
+        <p14:creationId xmlns:p14="http://schemas.microsoft.com/office/powerpoint/2010/main" val="12751256"/>
+      </p:ext>
+    </p:extLst>
+  </p:cSld>
+  <p:clrMapOvr>
+    <a:masterClrMapping/>
+  </p:clrMapOvr>
+  <p:timing>
+    <p:tnLst>
+      <p:par>
+        <p:cTn xmlns:p14="http://schemas.microsoft.com/office/powerpoint/2010/main" id="1" dur="indefinite" restart="never" nodeType="tmRoot"/>
+      </p:par>
+    </p:tnLst>
+  </p:timing>
+</p:sld>
+</file>
+
+<file path=ppt/slides/slide11.xml><?xml version="1.0" encoding="utf-8"?>
+<p:sld xmlns:a="http://schemas.openxmlformats.org/drawingml/2006/main" xmlns:r="http://schemas.openxmlformats.org/officeDocument/2006/relationships" xmlns:p="http://schemas.openxmlformats.org/presentationml/2006/main">
+  <p:cSld>
+    <p:spTree>
+      <p:nvGrpSpPr>
+        <p:cNvPr id="1" name=""/>
+        <p:cNvGrpSpPr/>
+        <p:nvPr/>
+      </p:nvGrpSpPr>
+      <p:grpSpPr>
+        <a:xfrm>
+          <a:off x="0" y="0"/>
+          <a:ext cx="0" cy="0"/>
+          <a:chOff x="0" y="0"/>
+          <a:chExt cx="0" cy="0"/>
+        </a:xfrm>
+      </p:grpSpPr>
+      <p:sp>
+        <p:nvSpPr>
+          <p:cNvPr id="2" name="Titre 1"/>
+          <p:cNvSpPr>
+            <a:spLocks noGrp="1"/>
+          </p:cNvSpPr>
+          <p:nvPr>
+            <p:ph type="title"/>
+          </p:nvPr>
+        </p:nvSpPr>
+        <p:spPr>
+          <a:xfrm>
+            <a:off x="457200" y="274638"/>
+            <a:ext cx="8229600" cy="1143000"/>
+          </a:xfrm>
+        </p:spPr>
+        <p:txBody>
+          <a:bodyPr>
+            <a:normAutofit fontScale="90000"/>
+          </a:bodyPr>
+          <a:lstStyle/>
+          <a:p>
+            <a:r>
+              <a:rPr lang="fr-FR" sz="3200" dirty="0" smtClean="0">
+                <a:solidFill>
+                  <a:srgbClr val="C0504D"/>
+                </a:solidFill>
+              </a:rPr>
+              <a:t>2) Tableau périodique, structure et lien avec </a:t>
+            </a:r>
+            <a:r>
+              <a:rPr lang="fr-FR" sz="3200" dirty="0">
+                <a:solidFill>
+                  <a:srgbClr val="C0504D"/>
+                </a:solidFill>
+              </a:rPr>
+              <a:t>la configuration </a:t>
+            </a:r>
+            <a:r>
+              <a:rPr lang="fr-FR" sz="3200" dirty="0" smtClean="0">
+                <a:solidFill>
+                  <a:srgbClr val="C0504D"/>
+                </a:solidFill>
+              </a:rPr>
+              <a:t>électronique </a:t>
+            </a:r>
+            <a:r>
+              <a:rPr lang="fr-FR" sz="3200" dirty="0">
+                <a:solidFill>
+                  <a:srgbClr val="C0504D"/>
+                </a:solidFill>
+              </a:rPr>
+              <a:t/>
+            </a:r>
+            <a:br>
+              <a:rPr lang="fr-FR" sz="3200" dirty="0">
+                <a:solidFill>
+                  <a:srgbClr val="C0504D"/>
+                </a:solidFill>
+              </a:rPr>
+            </a:br>
+            <a:endParaRPr lang="fr-FR" sz="3200" dirty="0">
+              <a:solidFill>
+                <a:srgbClr val="C0504D"/>
+              </a:solidFill>
+            </a:endParaRPr>
+          </a:p>
+        </p:txBody>
+      </p:sp>
+      <p:sp>
+        <p:nvSpPr>
+          <p:cNvPr id="4" name="Espace réservé du pied de page 3"/>
+          <p:cNvSpPr>
+            <a:spLocks noGrp="1"/>
+          </p:cNvSpPr>
+          <p:nvPr>
+            <p:ph type="ftr" sz="quarter" idx="11"/>
+          </p:nvPr>
+        </p:nvSpPr>
+        <p:spPr/>
+        <p:txBody>
+          <a:bodyPr/>
+          <a:lstStyle/>
+          <a:p>
+            <a:r>
+              <a:rPr lang="fr-FR" smtClean="0"/>
+              <a:t>Agrégation - Classification périodique</a:t>
+            </a:r>
+            <a:endParaRPr lang="fr-FR"/>
+          </a:p>
+        </p:txBody>
+      </p:sp>
+      <p:sp>
+        <p:nvSpPr>
+          <p:cNvPr id="5" name="Espace réservé du numéro de diapositive 4"/>
+          <p:cNvSpPr>
+            <a:spLocks noGrp="1"/>
+          </p:cNvSpPr>
+          <p:nvPr>
+            <p:ph type="sldNum" sz="quarter" idx="12"/>
+          </p:nvPr>
+        </p:nvSpPr>
+        <p:spPr/>
+        <p:txBody>
+          <a:bodyPr/>
+          <a:lstStyle/>
+          <a:p>
+            <a:fld id="{81C8E63E-4CB2-004B-B081-365B8D55E7E9}" type="slidenum">
+              <a:rPr lang="fr-FR" smtClean="0"/>
+              <a:t>10</a:t>
+            </a:fld>
+            <a:endParaRPr lang="fr-FR"/>
+          </a:p>
+        </p:txBody>
+      </p:sp>
+      <p:pic>
+        <p:nvPicPr>
+          <p:cNvPr id="3" name="Image 2" descr="Capture d’écran 2020-01-30 à 13.05.19.png"/>
+          <p:cNvPicPr>
+            <a:picLocks noChangeAspect="1"/>
+          </p:cNvPicPr>
+          <p:nvPr/>
+        </p:nvPicPr>
+        <p:blipFill>
+          <a:blip r:embed="rId2">
+            <a:extLst>
+              <a:ext uri="{28A0092B-C50C-407E-A947-70E740481C1C}">
+                <a14:useLocalDpi xmlns:a14="http://schemas.microsoft.com/office/drawing/2010/main" val="0"/>
+              </a:ext>
+            </a:extLst>
+          </a:blip>
+          <a:stretch>
+            <a:fillRect/>
+          </a:stretch>
+        </p:blipFill>
+        <p:spPr>
+          <a:xfrm>
+            <a:off x="0" y="1460500"/>
+            <a:ext cx="9144000" cy="3937000"/>
+          </a:xfrm>
+          <a:prstGeom prst="rect">
+            <a:avLst/>
+          </a:prstGeom>
+        </p:spPr>
+      </p:pic>
+    </p:spTree>
+    <p:extLst>
+      <p:ext uri="{BB962C8B-B14F-4D97-AF65-F5344CB8AC3E}">
+        <p14:creationId xmlns:p14="http://schemas.microsoft.com/office/powerpoint/2010/main" val="808264851"/>
+      </p:ext>
+    </p:extLst>
+  </p:cSld>
+  <p:clrMapOvr>
+    <a:masterClrMapping/>
+  </p:clrMapOvr>
+  <p:timing>
+    <p:tnLst>
+      <p:par>
+        <p:cTn xmlns:p14="http://schemas.microsoft.com/office/powerpoint/2010/main" id="1" dur="indefinite" restart="never" nodeType="tmRoot"/>
+      </p:par>
+    </p:tnLst>
+  </p:timing>
+</p:sld>
+</file>
+
+<file path=ppt/slides/slide12.xml><?xml version="1.0" encoding="utf-8"?>
+<p:sld xmlns:a="http://schemas.openxmlformats.org/drawingml/2006/main" xmlns:r="http://schemas.openxmlformats.org/officeDocument/2006/relationships" xmlns:p="http://schemas.openxmlformats.org/presentationml/2006/main">
+  <p:cSld>
+    <p:spTree>
+      <p:nvGrpSpPr>
+        <p:cNvPr id="1" name=""/>
+        <p:cNvGrpSpPr/>
+        <p:nvPr/>
+      </p:nvGrpSpPr>
+      <p:grpSpPr>
+        <a:xfrm>
+          <a:off x="0" y="0"/>
+          <a:ext cx="0" cy="0"/>
+          <a:chOff x="0" y="0"/>
+          <a:chExt cx="0" cy="0"/>
+        </a:xfrm>
+      </p:grpSpPr>
+      <p:sp>
+        <p:nvSpPr>
+          <p:cNvPr id="2" name="Titre 1"/>
+          <p:cNvSpPr>
+            <a:spLocks noGrp="1"/>
+          </p:cNvSpPr>
+          <p:nvPr>
+            <p:ph type="title"/>
+          </p:nvPr>
+        </p:nvSpPr>
+        <p:spPr/>
+        <p:txBody>
+          <a:bodyPr/>
+          <a:lstStyle/>
+          <a:p>
+            <a:r>
+              <a:rPr lang="fr-FR" dirty="0" smtClean="0"/>
+              <a:t>Pouvoir oxydant de Cl2</a:t>
+            </a:r>
+            <a:endParaRPr lang="fr-FR" dirty="0"/>
+          </a:p>
+        </p:txBody>
+      </p:sp>
+      <p:sp>
+        <p:nvSpPr>
+          <p:cNvPr id="4" name="Espace réservé du pied de page 3"/>
+          <p:cNvSpPr>
+            <a:spLocks noGrp="1"/>
+          </p:cNvSpPr>
+          <p:nvPr>
+            <p:ph type="ftr" sz="quarter" idx="11"/>
+          </p:nvPr>
+        </p:nvSpPr>
+        <p:spPr/>
+        <p:txBody>
+          <a:bodyPr/>
+          <a:lstStyle/>
+          <a:p>
+            <a:r>
+              <a:rPr lang="fr-FR" smtClean="0"/>
+              <a:t>Agrégation - Classification périodique</a:t>
+            </a:r>
+            <a:endParaRPr lang="fr-FR"/>
+          </a:p>
+        </p:txBody>
+      </p:sp>
+      <p:sp>
+        <p:nvSpPr>
+          <p:cNvPr id="5" name="Espace réservé du numéro de diapositive 4"/>
+          <p:cNvSpPr>
+            <a:spLocks noGrp="1"/>
+          </p:cNvSpPr>
+          <p:nvPr>
+            <p:ph type="sldNum" sz="quarter" idx="12"/>
+          </p:nvPr>
+        </p:nvSpPr>
+        <p:spPr/>
+        <p:txBody>
+          <a:bodyPr/>
+          <a:lstStyle/>
+          <a:p>
+            <a:fld id="{81C8E63E-4CB2-004B-B081-365B8D55E7E9}" type="slidenum">
+              <a:rPr lang="fr-FR" smtClean="0"/>
+              <a:t>11</a:t>
             </a:fld>
             <a:endParaRPr lang="fr-FR"/>
           </a:p>
@@ -4958,7 +5290,7 @@
 </p:sld>
 </file>
 
-<file path=ppt/slides/slide11.xml><?xml version="1.0" encoding="utf-8"?>
+<file path=ppt/slides/slide13.xml><?xml version="1.0" encoding="utf-8"?>
 <p:sld xmlns:a="http://schemas.openxmlformats.org/drawingml/2006/main" xmlns:r="http://schemas.openxmlformats.org/officeDocument/2006/relationships" xmlns:p="http://schemas.openxmlformats.org/presentationml/2006/main">
   <p:cSld>
     <p:spTree>
@@ -5038,7 +5370,7 @@
           <a:p>
             <a:fld id="{81C8E63E-4CB2-004B-B081-365B8D55E7E9}" type="slidenum">
               <a:rPr lang="fr-FR" smtClean="0"/>
-              <a:t>10</a:t>
+              <a:t>12</a:t>
             </a:fld>
             <a:endParaRPr lang="fr-FR"/>
           </a:p>
@@ -5711,7 +6043,7 @@
 </p:sld>
 </file>
 
-<file path=ppt/slides/slide12.xml><?xml version="1.0" encoding="utf-8"?>
+<file path=ppt/slides/slide14.xml><?xml version="1.0" encoding="utf-8"?>
 <p:sld xmlns:a="http://schemas.openxmlformats.org/drawingml/2006/main" xmlns:r="http://schemas.openxmlformats.org/officeDocument/2006/relationships" xmlns:p="http://schemas.openxmlformats.org/presentationml/2006/main">
   <p:cSld>
     <p:spTree>
@@ -6243,7 +6575,7 @@
 </p:sld>
 </file>
 
-<file path=ppt/slides/slide13.xml><?xml version="1.0" encoding="utf-8"?>
+<file path=ppt/slides/slide15.xml><?xml version="1.0" encoding="utf-8"?>
 <p:sld xmlns:a="http://schemas.openxmlformats.org/drawingml/2006/main" xmlns:r="http://schemas.openxmlformats.org/officeDocument/2006/relationships" xmlns:p="http://schemas.openxmlformats.org/presentationml/2006/main">
   <p:cSld>
     <p:spTree>
@@ -7424,7 +7756,7 @@
 </p:sld>
 </file>
 
-<file path=ppt/slides/slide14.xml><?xml version="1.0" encoding="utf-8"?>
+<file path=ppt/slides/slide16.xml><?xml version="1.0" encoding="utf-8"?>
 <p:sld xmlns:a="http://schemas.openxmlformats.org/drawingml/2006/main" xmlns:r="http://schemas.openxmlformats.org/officeDocument/2006/relationships" xmlns:p="http://schemas.openxmlformats.org/presentationml/2006/main">
   <p:cSld>
     <p:spTree>
@@ -9014,7 +9346,7 @@
 </p:sld>
 </file>
 
-<file path=ppt/slides/slide15.xml><?xml version="1.0" encoding="utf-8"?>
+<file path=ppt/slides/slide17.xml><?xml version="1.0" encoding="utf-8"?>
 <p:sld xmlns:a="http://schemas.openxmlformats.org/drawingml/2006/main" xmlns:r="http://schemas.openxmlformats.org/officeDocument/2006/relationships" xmlns:p="http://schemas.openxmlformats.org/presentationml/2006/main">
   <p:cSld>
     <p:spTree>
@@ -11123,7 +11455,15 @@
                   <a:schemeClr val="accent2"/>
                 </a:solidFill>
               </a:rPr>
-              <a:t>I -1) Historique de la construction du tableau périodique </a:t>
+              <a:t>Historique </a:t>
+            </a:r>
+            <a:r>
+              <a:rPr lang="fr-FR" sz="3100" dirty="0" smtClean="0">
+                <a:solidFill>
+                  <a:schemeClr val="accent2"/>
+                </a:solidFill>
+              </a:rPr>
+              <a:t>de la construction du tableau périodique </a:t>
             </a:r>
             <a:endParaRPr lang="fr-FR" dirty="0">
               <a:solidFill>
@@ -11532,12 +11872,20 @@
           <a:lstStyle/>
           <a:p>
             <a:r>
+              <a:rPr lang="fr-FR" sz="3200" dirty="0" smtClean="0">
+                <a:solidFill>
+                  <a:schemeClr val="accent2"/>
+                </a:solidFill>
+              </a:rPr>
+              <a:t>Historique </a:t>
+            </a:r>
+            <a:r>
               <a:rPr lang="fr-FR" sz="3200" dirty="0">
                 <a:solidFill>
                   <a:schemeClr val="accent2"/>
                 </a:solidFill>
               </a:rPr>
-              <a:t>I -1) Historique de la construction du tableau périodique </a:t>
+              <a:t>de la construction du tableau périodique </a:t>
             </a:r>
             <a:endParaRPr lang="fr-FR" sz="3200" dirty="0"/>
           </a:p>
@@ -11729,6 +12077,746 @@
             <p:ph type="title"/>
           </p:nvPr>
         </p:nvSpPr>
+        <p:spPr>
+          <a:xfrm>
+            <a:off x="69153" y="7346"/>
+            <a:ext cx="8229600" cy="882156"/>
+          </a:xfrm>
+        </p:spPr>
+        <p:txBody>
+          <a:bodyPr>
+            <a:normAutofit/>
+          </a:bodyPr>
+          <a:lstStyle/>
+          <a:p>
+            <a:r>
+              <a:rPr lang="fr-FR" sz="3200" dirty="0">
+                <a:solidFill>
+                  <a:schemeClr val="accent2"/>
+                </a:solidFill>
+              </a:rPr>
+              <a:t>Mise en évidence expérimentale</a:t>
+            </a:r>
+            <a:endParaRPr lang="fr-FR" sz="3200" dirty="0">
+              <a:solidFill>
+                <a:schemeClr val="accent2"/>
+              </a:solidFill>
+            </a:endParaRPr>
+          </a:p>
+        </p:txBody>
+      </p:sp>
+      <p:sp>
+        <p:nvSpPr>
+          <p:cNvPr id="4" name="Espace réservé du pied de page 3"/>
+          <p:cNvSpPr>
+            <a:spLocks noGrp="1"/>
+          </p:cNvSpPr>
+          <p:nvPr>
+            <p:ph type="ftr" sz="quarter" idx="11"/>
+          </p:nvPr>
+        </p:nvSpPr>
+        <p:spPr>
+          <a:xfrm>
+            <a:off x="0" y="6356350"/>
+            <a:ext cx="9144000" cy="365125"/>
+          </a:xfrm>
+        </p:spPr>
+        <p:txBody>
+          <a:bodyPr/>
+          <a:lstStyle/>
+          <a:p>
+            <a:r>
+              <a:rPr lang="fr-FR" smtClean="0"/>
+              <a:t>Agrégation - Classification périodique</a:t>
+            </a:r>
+            <a:endParaRPr lang="fr-FR"/>
+          </a:p>
+        </p:txBody>
+      </p:sp>
+      <p:sp>
+        <p:nvSpPr>
+          <p:cNvPr id="5" name="Espace réservé du numéro de diapositive 4"/>
+          <p:cNvSpPr>
+            <a:spLocks noGrp="1"/>
+          </p:cNvSpPr>
+          <p:nvPr>
+            <p:ph type="sldNum" sz="quarter" idx="12"/>
+          </p:nvPr>
+        </p:nvSpPr>
+        <p:spPr>
+          <a:xfrm>
+            <a:off x="9619497" y="6374129"/>
+            <a:ext cx="258951" cy="365125"/>
+          </a:xfrm>
+        </p:spPr>
+        <p:txBody>
+          <a:bodyPr/>
+          <a:lstStyle/>
+          <a:p>
+            <a:fld id="{81C8E63E-4CB2-004B-B081-365B8D55E7E9}" type="slidenum">
+              <a:rPr lang="fr-FR" smtClean="0"/>
+              <a:t>4</a:t>
+            </a:fld>
+            <a:endParaRPr lang="fr-FR"/>
+          </a:p>
+        </p:txBody>
+      </p:sp>
+      <p:pic>
+        <p:nvPicPr>
+          <p:cNvPr id="11" name="Image 10">
+            <a:extLst>
+              <a:ext uri="{FF2B5EF4-FFF2-40B4-BE49-F238E27FC236}">
+                <a16:creationId xmlns:a16="http://schemas.microsoft.com/office/drawing/2014/main" xmlns="" id="{0EDB6AE1-2739-4380-80E2-3D03EE50543D}"/>
+              </a:ext>
+            </a:extLst>
+          </p:cNvPr>
+          <p:cNvPicPr>
+            <a:picLocks noChangeAspect="1"/>
+          </p:cNvPicPr>
+          <p:nvPr/>
+        </p:nvPicPr>
+        <p:blipFill rotWithShape="1">
+          <a:blip r:embed="rId2" cstate="print">
+            <a:extLst>
+              <a:ext uri="{28A0092B-C50C-407E-A947-70E740481C1C}">
+                <a14:useLocalDpi xmlns:a14="http://schemas.microsoft.com/office/drawing/2010/main" val="0"/>
+              </a:ext>
+            </a:extLst>
+          </a:blip>
+          <a:srcRect l="37523" r="38635" b="3608"/>
+          <a:stretch/>
+        </p:blipFill>
+        <p:spPr>
+          <a:xfrm>
+            <a:off x="1708860" y="1983249"/>
+            <a:ext cx="838550" cy="3067497"/>
+          </a:xfrm>
+          <a:prstGeom prst="rect">
+            <a:avLst/>
+          </a:prstGeom>
+        </p:spPr>
+      </p:pic>
+      <p:pic>
+        <p:nvPicPr>
+          <p:cNvPr id="12" name="Image 11">
+            <a:extLst>
+              <a:ext uri="{FF2B5EF4-FFF2-40B4-BE49-F238E27FC236}">
+                <a16:creationId xmlns:a16="http://schemas.microsoft.com/office/drawing/2014/main" xmlns="" id="{0EDB6AE1-2739-4380-80E2-3D03EE50543D}"/>
+              </a:ext>
+            </a:extLst>
+          </p:cNvPr>
+          <p:cNvPicPr>
+            <a:picLocks noChangeAspect="1"/>
+          </p:cNvPicPr>
+          <p:nvPr/>
+        </p:nvPicPr>
+        <p:blipFill rotWithShape="1">
+          <a:blip r:embed="rId2" cstate="print">
+            <a:extLst>
+              <a:ext uri="{28A0092B-C50C-407E-A947-70E740481C1C}">
+                <a14:useLocalDpi xmlns:a14="http://schemas.microsoft.com/office/drawing/2010/main" val="0"/>
+              </a:ext>
+            </a:extLst>
+          </a:blip>
+          <a:srcRect l="37523" r="38635" b="3608"/>
+          <a:stretch/>
+        </p:blipFill>
+        <p:spPr>
+          <a:xfrm>
+            <a:off x="3911540" y="1983249"/>
+            <a:ext cx="838550" cy="3067497"/>
+          </a:xfrm>
+          <a:prstGeom prst="rect">
+            <a:avLst/>
+          </a:prstGeom>
+        </p:spPr>
+      </p:pic>
+      <p:pic>
+        <p:nvPicPr>
+          <p:cNvPr id="13" name="Image 12">
+            <a:extLst>
+              <a:ext uri="{FF2B5EF4-FFF2-40B4-BE49-F238E27FC236}">
+                <a16:creationId xmlns:a16="http://schemas.microsoft.com/office/drawing/2014/main" xmlns="" id="{0EDB6AE1-2739-4380-80E2-3D03EE50543D}"/>
+              </a:ext>
+            </a:extLst>
+          </p:cNvPr>
+          <p:cNvPicPr>
+            <a:picLocks noChangeAspect="1"/>
+          </p:cNvPicPr>
+          <p:nvPr/>
+        </p:nvPicPr>
+        <p:blipFill rotWithShape="1">
+          <a:blip r:embed="rId2" cstate="print">
+            <a:extLst>
+              <a:ext uri="{28A0092B-C50C-407E-A947-70E740481C1C}">
+                <a14:useLocalDpi xmlns:a14="http://schemas.microsoft.com/office/drawing/2010/main" val="0"/>
+              </a:ext>
+            </a:extLst>
+          </a:blip>
+          <a:srcRect l="37523" r="38635" b="3608"/>
+          <a:stretch/>
+        </p:blipFill>
+        <p:spPr>
+          <a:xfrm>
+            <a:off x="6053006" y="1983249"/>
+            <a:ext cx="838550" cy="3067497"/>
+          </a:xfrm>
+          <a:prstGeom prst="rect">
+            <a:avLst/>
+          </a:prstGeom>
+        </p:spPr>
+      </p:pic>
+      <p:sp>
+        <p:nvSpPr>
+          <p:cNvPr id="3" name="ZoneTexte 2"/>
+          <p:cNvSpPr txBox="1"/>
+          <p:nvPr/>
+        </p:nvSpPr>
+        <p:spPr>
+          <a:xfrm>
+            <a:off x="1300568" y="5200757"/>
+            <a:ext cx="1838965" cy="369332"/>
+          </a:xfrm>
+          <a:prstGeom prst="rect">
+            <a:avLst/>
+          </a:prstGeom>
+          <a:noFill/>
+        </p:spPr>
+        <p:txBody>
+          <a:bodyPr wrap="none" rtlCol="0">
+            <a:spAutoFit/>
+          </a:bodyPr>
+          <a:lstStyle/>
+          <a:p>
+            <a:r>
+              <a:rPr lang="fr-FR" dirty="0" err="1" smtClean="0"/>
+              <a:t>KCl</a:t>
+            </a:r>
+            <a:r>
+              <a:rPr lang="fr-FR" baseline="-25000" dirty="0" smtClean="0"/>
+              <a:t>(</a:t>
+            </a:r>
+            <a:r>
+              <a:rPr lang="fr-FR" baseline="-25000" dirty="0" err="1" smtClean="0"/>
+              <a:t>aq</a:t>
+            </a:r>
+            <a:r>
+              <a:rPr lang="fr-FR" baseline="-25000" dirty="0" smtClean="0"/>
+              <a:t>)</a:t>
+            </a:r>
+            <a:r>
+              <a:rPr lang="fr-FR" dirty="0" smtClean="0"/>
+              <a:t> à 0,1 mol/L</a:t>
+            </a:r>
+            <a:endParaRPr lang="fr-FR" dirty="0"/>
+          </a:p>
+        </p:txBody>
+      </p:sp>
+      <p:sp>
+        <p:nvSpPr>
+          <p:cNvPr id="14" name="ZoneTexte 13"/>
+          <p:cNvSpPr txBox="1"/>
+          <p:nvPr/>
+        </p:nvSpPr>
+        <p:spPr>
+          <a:xfrm>
+            <a:off x="3411441" y="5217134"/>
+            <a:ext cx="1864613" cy="369332"/>
+          </a:xfrm>
+          <a:prstGeom prst="rect">
+            <a:avLst/>
+          </a:prstGeom>
+          <a:noFill/>
+        </p:spPr>
+        <p:txBody>
+          <a:bodyPr wrap="none" rtlCol="0">
+            <a:spAutoFit/>
+          </a:bodyPr>
+          <a:lstStyle/>
+          <a:p>
+            <a:r>
+              <a:rPr lang="fr-FR" dirty="0" err="1" smtClean="0"/>
+              <a:t>KBr</a:t>
+            </a:r>
+            <a:r>
+              <a:rPr lang="fr-FR" baseline="-25000" dirty="0" smtClean="0"/>
+              <a:t>(</a:t>
+            </a:r>
+            <a:r>
+              <a:rPr lang="fr-FR" baseline="-25000" dirty="0" err="1" smtClean="0"/>
+              <a:t>aq</a:t>
+            </a:r>
+            <a:r>
+              <a:rPr lang="fr-FR" baseline="-25000" dirty="0" smtClean="0"/>
+              <a:t>)</a:t>
+            </a:r>
+            <a:r>
+              <a:rPr lang="fr-FR" dirty="0" smtClean="0"/>
+              <a:t> à 0,1 mol/L</a:t>
+            </a:r>
+            <a:endParaRPr lang="fr-FR" dirty="0"/>
+          </a:p>
+        </p:txBody>
+      </p:sp>
+      <p:sp>
+        <p:nvSpPr>
+          <p:cNvPr id="15" name="ZoneTexte 14"/>
+          <p:cNvSpPr txBox="1"/>
+          <p:nvPr/>
+        </p:nvSpPr>
+        <p:spPr>
+          <a:xfrm>
+            <a:off x="5751823" y="5247732"/>
+            <a:ext cx="1723549" cy="369332"/>
+          </a:xfrm>
+          <a:prstGeom prst="rect">
+            <a:avLst/>
+          </a:prstGeom>
+          <a:noFill/>
+        </p:spPr>
+        <p:txBody>
+          <a:bodyPr wrap="none" rtlCol="0">
+            <a:spAutoFit/>
+          </a:bodyPr>
+          <a:lstStyle/>
+          <a:p>
+            <a:r>
+              <a:rPr lang="fr-FR" dirty="0" smtClean="0"/>
+              <a:t>KI</a:t>
+            </a:r>
+            <a:r>
+              <a:rPr lang="fr-FR" baseline="-25000" dirty="0" smtClean="0"/>
+              <a:t>(</a:t>
+            </a:r>
+            <a:r>
+              <a:rPr lang="fr-FR" baseline="-25000" dirty="0" err="1" smtClean="0"/>
+              <a:t>aq</a:t>
+            </a:r>
+            <a:r>
+              <a:rPr lang="fr-FR" baseline="-25000" dirty="0" smtClean="0"/>
+              <a:t>)</a:t>
+            </a:r>
+            <a:r>
+              <a:rPr lang="fr-FR" dirty="0" smtClean="0"/>
+              <a:t> à 0,1 mol/L</a:t>
+            </a:r>
+            <a:endParaRPr lang="fr-FR" dirty="0"/>
+          </a:p>
+        </p:txBody>
+      </p:sp>
+      <p:sp>
+        <p:nvSpPr>
+          <p:cNvPr id="17" name="Arc 16">
+            <a:extLst>
+              <a:ext uri="{FF2B5EF4-FFF2-40B4-BE49-F238E27FC236}">
+                <a16:creationId xmlns:a16="http://schemas.microsoft.com/office/drawing/2014/main" xmlns="" id="{4A521114-9965-4B58-AE4D-7DB73232A2A7}"/>
+              </a:ext>
+            </a:extLst>
+          </p:cNvPr>
+          <p:cNvSpPr/>
+          <p:nvPr/>
+        </p:nvSpPr>
+        <p:spPr>
+          <a:xfrm>
+            <a:off x="3396140" y="973358"/>
+            <a:ext cx="3290228" cy="3096309"/>
+          </a:xfrm>
+          <a:prstGeom prst="arc">
+            <a:avLst>
+              <a:gd name="adj1" fmla="val 16314617"/>
+              <a:gd name="adj2" fmla="val 20645367"/>
+            </a:avLst>
+          </a:prstGeom>
+          <a:ln w="19050">
+            <a:headEnd type="none" w="med" len="med"/>
+            <a:tailEnd type="triangle" w="med" len="med"/>
+          </a:ln>
+        </p:spPr>
+        <p:style>
+          <a:lnRef idx="1">
+            <a:schemeClr val="dk1"/>
+          </a:lnRef>
+          <a:fillRef idx="0">
+            <a:schemeClr val="dk1"/>
+          </a:fillRef>
+          <a:effectRef idx="0">
+            <a:schemeClr val="dk1"/>
+          </a:effectRef>
+          <a:fontRef idx="minor">
+            <a:schemeClr val="tx1"/>
+          </a:fontRef>
+        </p:style>
+        <p:txBody>
+          <a:bodyPr rtlCol="0" anchor="ctr"/>
+          <a:lstStyle/>
+          <a:p>
+            <a:pPr algn="ctr"/>
+            <a:endParaRPr lang="fr-FR"/>
+          </a:p>
+        </p:txBody>
+      </p:sp>
+      <p:sp>
+        <p:nvSpPr>
+          <p:cNvPr id="7" name="ZoneTexte 6"/>
+          <p:cNvSpPr txBox="1"/>
+          <p:nvPr/>
+        </p:nvSpPr>
+        <p:spPr>
+          <a:xfrm>
+            <a:off x="3720761" y="818813"/>
+            <a:ext cx="1236486" cy="646331"/>
+          </a:xfrm>
+          <a:prstGeom prst="rect">
+            <a:avLst/>
+          </a:prstGeom>
+          <a:noFill/>
+        </p:spPr>
+        <p:txBody>
+          <a:bodyPr wrap="none" rtlCol="0">
+            <a:spAutoFit/>
+          </a:bodyPr>
+          <a:lstStyle/>
+          <a:p>
+            <a:r>
+              <a:rPr lang="fr-FR" dirty="0" smtClean="0"/>
+              <a:t>AgNO3</a:t>
+            </a:r>
+          </a:p>
+          <a:p>
+            <a:r>
+              <a:rPr lang="fr-FR" dirty="0"/>
+              <a:t>à</a:t>
+            </a:r>
+            <a:r>
+              <a:rPr lang="fr-FR" dirty="0" smtClean="0"/>
+              <a:t> 0,1 mol/L</a:t>
+            </a:r>
+            <a:endParaRPr lang="fr-FR" dirty="0"/>
+          </a:p>
+        </p:txBody>
+      </p:sp>
+      <p:sp>
+        <p:nvSpPr>
+          <p:cNvPr id="18" name="Arc 17">
+            <a:extLst>
+              <a:ext uri="{FF2B5EF4-FFF2-40B4-BE49-F238E27FC236}">
+                <a16:creationId xmlns:a16="http://schemas.microsoft.com/office/drawing/2014/main" xmlns="" id="{4A521114-9965-4B58-AE4D-7DB73232A2A7}"/>
+              </a:ext>
+            </a:extLst>
+          </p:cNvPr>
+          <p:cNvSpPr/>
+          <p:nvPr/>
+        </p:nvSpPr>
+        <p:spPr>
+          <a:xfrm flipH="1">
+            <a:off x="2034995" y="988657"/>
+            <a:ext cx="2993480" cy="2973318"/>
+          </a:xfrm>
+          <a:prstGeom prst="arc">
+            <a:avLst>
+              <a:gd name="adj1" fmla="val 16314617"/>
+              <a:gd name="adj2" fmla="val 20645367"/>
+            </a:avLst>
+          </a:prstGeom>
+          <a:ln w="19050">
+            <a:headEnd type="none" w="med" len="med"/>
+            <a:tailEnd type="triangle" w="med" len="med"/>
+          </a:ln>
+        </p:spPr>
+        <p:style>
+          <a:lnRef idx="1">
+            <a:schemeClr val="dk1"/>
+          </a:lnRef>
+          <a:fillRef idx="0">
+            <a:schemeClr val="dk1"/>
+          </a:fillRef>
+          <a:effectRef idx="0">
+            <a:schemeClr val="dk1"/>
+          </a:effectRef>
+          <a:fontRef idx="minor">
+            <a:schemeClr val="tx1"/>
+          </a:fontRef>
+        </p:style>
+        <p:txBody>
+          <a:bodyPr rtlCol="0" anchor="ctr"/>
+          <a:lstStyle/>
+          <a:p>
+            <a:pPr algn="ctr"/>
+            <a:endParaRPr lang="fr-FR"/>
+          </a:p>
+        </p:txBody>
+      </p:sp>
+      <p:cxnSp>
+        <p:nvCxnSpPr>
+          <p:cNvPr id="22" name="Connecteur droit avec flèche 21"/>
+          <p:cNvCxnSpPr>
+            <a:stCxn id="7" idx="2"/>
+          </p:cNvCxnSpPr>
+          <p:nvPr/>
+        </p:nvCxnSpPr>
+        <p:spPr>
+          <a:xfrm>
+            <a:off x="4339004" y="1465144"/>
+            <a:ext cx="6377" cy="518105"/>
+          </a:xfrm>
+          <a:prstGeom prst="straightConnector1">
+            <a:avLst/>
+          </a:prstGeom>
+          <a:ln w="12700" cmpd="sng">
+            <a:solidFill>
+              <a:srgbClr val="000000"/>
+            </a:solidFill>
+            <a:tailEnd type="arrow"/>
+          </a:ln>
+        </p:spPr>
+        <p:style>
+          <a:lnRef idx="2">
+            <a:schemeClr val="accent1"/>
+          </a:lnRef>
+          <a:fillRef idx="0">
+            <a:schemeClr val="accent1"/>
+          </a:fillRef>
+          <a:effectRef idx="1">
+            <a:schemeClr val="accent1"/>
+          </a:effectRef>
+          <a:fontRef idx="minor">
+            <a:schemeClr val="tx1"/>
+          </a:fontRef>
+        </p:style>
+      </p:cxnSp>
+    </p:spTree>
+    <p:extLst>
+      <p:ext uri="{BB962C8B-B14F-4D97-AF65-F5344CB8AC3E}">
+        <p14:creationId xmlns:p14="http://schemas.microsoft.com/office/powerpoint/2010/main" val="749854962"/>
+      </p:ext>
+    </p:extLst>
+  </p:cSld>
+  <p:clrMapOvr>
+    <a:masterClrMapping/>
+  </p:clrMapOvr>
+  <p:timing>
+    <p:tnLst>
+      <p:par>
+        <p:cTn xmlns:p14="http://schemas.microsoft.com/office/powerpoint/2010/main" id="1" dur="indefinite" restart="never" nodeType="tmRoot"/>
+      </p:par>
+    </p:tnLst>
+  </p:timing>
+</p:sld>
+</file>
+
+<file path=ppt/slides/slide6.xml><?xml version="1.0" encoding="utf-8"?>
+<p:sld xmlns:a="http://schemas.openxmlformats.org/drawingml/2006/main" xmlns:r="http://schemas.openxmlformats.org/officeDocument/2006/relationships" xmlns:p="http://schemas.openxmlformats.org/presentationml/2006/main">
+  <p:cSld>
+    <p:spTree>
+      <p:nvGrpSpPr>
+        <p:cNvPr id="1" name=""/>
+        <p:cNvGrpSpPr/>
+        <p:nvPr/>
+      </p:nvGrpSpPr>
+      <p:grpSpPr>
+        <a:xfrm>
+          <a:off x="0" y="0"/>
+          <a:ext cx="0" cy="0"/>
+          <a:chOff x="0" y="0"/>
+          <a:chExt cx="0" cy="0"/>
+        </a:xfrm>
+      </p:grpSpPr>
+      <p:sp>
+        <p:nvSpPr>
+          <p:cNvPr id="2" name="Titre 1"/>
+          <p:cNvSpPr>
+            <a:spLocks noGrp="1"/>
+          </p:cNvSpPr>
+          <p:nvPr>
+            <p:ph type="title"/>
+          </p:nvPr>
+        </p:nvSpPr>
+        <p:spPr>
+          <a:xfrm>
+            <a:off x="457200" y="15306"/>
+            <a:ext cx="8229600" cy="882156"/>
+          </a:xfrm>
+        </p:spPr>
+        <p:txBody>
+          <a:bodyPr>
+            <a:normAutofit/>
+          </a:bodyPr>
+          <a:lstStyle/>
+          <a:p>
+            <a:r>
+              <a:rPr lang="fr-FR" sz="3200" dirty="0">
+                <a:solidFill>
+                  <a:schemeClr val="accent2"/>
+                </a:solidFill>
+              </a:rPr>
+              <a:t>Mise en évidence expérimentale</a:t>
+            </a:r>
+            <a:endParaRPr lang="fr-FR" sz="3200" dirty="0">
+              <a:solidFill>
+                <a:schemeClr val="accent2"/>
+              </a:solidFill>
+            </a:endParaRPr>
+          </a:p>
+        </p:txBody>
+      </p:sp>
+      <p:sp>
+        <p:nvSpPr>
+          <p:cNvPr id="4" name="Espace réservé du pied de page 3"/>
+          <p:cNvSpPr>
+            <a:spLocks noGrp="1"/>
+          </p:cNvSpPr>
+          <p:nvPr>
+            <p:ph type="ftr" sz="quarter" idx="11"/>
+          </p:nvPr>
+        </p:nvSpPr>
+        <p:spPr/>
+        <p:txBody>
+          <a:bodyPr/>
+          <a:lstStyle/>
+          <a:p>
+            <a:r>
+              <a:rPr lang="fr-FR" smtClean="0"/>
+              <a:t>Agrégation - Classification périodique</a:t>
+            </a:r>
+            <a:endParaRPr lang="fr-FR"/>
+          </a:p>
+        </p:txBody>
+      </p:sp>
+      <p:sp>
+        <p:nvSpPr>
+          <p:cNvPr id="5" name="Espace réservé du numéro de diapositive 4"/>
+          <p:cNvSpPr>
+            <a:spLocks noGrp="1"/>
+          </p:cNvSpPr>
+          <p:nvPr>
+            <p:ph type="sldNum" sz="quarter" idx="12"/>
+          </p:nvPr>
+        </p:nvSpPr>
+        <p:spPr/>
+        <p:txBody>
+          <a:bodyPr/>
+          <a:lstStyle/>
+          <a:p>
+            <a:fld id="{81C8E63E-4CB2-004B-B081-365B8D55E7E9}" type="slidenum">
+              <a:rPr lang="fr-FR" smtClean="0"/>
+              <a:t>5</a:t>
+            </a:fld>
+            <a:endParaRPr lang="fr-FR"/>
+          </a:p>
+        </p:txBody>
+      </p:sp>
+      <p:pic>
+        <p:nvPicPr>
+          <p:cNvPr id="6" name="Image 5"/>
+          <p:cNvPicPr>
+            <a:picLocks noChangeAspect="1"/>
+          </p:cNvPicPr>
+          <p:nvPr/>
+        </p:nvPicPr>
+        <p:blipFill>
+          <a:blip r:embed="rId2"/>
+          <a:stretch>
+            <a:fillRect/>
+          </a:stretch>
+        </p:blipFill>
+        <p:spPr>
+          <a:xfrm>
+            <a:off x="1801598" y="784482"/>
+            <a:ext cx="5497727" cy="5129272"/>
+          </a:xfrm>
+          <a:prstGeom prst="rect">
+            <a:avLst/>
+          </a:prstGeom>
+        </p:spPr>
+      </p:pic>
+      <p:sp>
+        <p:nvSpPr>
+          <p:cNvPr id="8" name="ZoneTexte 7"/>
+          <p:cNvSpPr txBox="1"/>
+          <p:nvPr/>
+        </p:nvSpPr>
+        <p:spPr>
+          <a:xfrm>
+            <a:off x="0" y="6097130"/>
+            <a:ext cx="4039613" cy="276999"/>
+          </a:xfrm>
+          <a:prstGeom prst="rect">
+            <a:avLst/>
+          </a:prstGeom>
+          <a:noFill/>
+        </p:spPr>
+        <p:txBody>
+          <a:bodyPr wrap="none" rtlCol="0">
+            <a:spAutoFit/>
+          </a:bodyPr>
+          <a:lstStyle/>
+          <a:p>
+            <a:r>
+              <a:rPr lang="fr-FR" sz="1200" dirty="0" err="1"/>
+              <a:t>https</a:t>
+            </a:r>
+            <a:r>
+              <a:rPr lang="fr-FR" sz="1200" dirty="0"/>
+              <a:t>://</a:t>
+            </a:r>
+            <a:r>
+              <a:rPr lang="fr-FR" sz="1200" dirty="0" err="1"/>
+              <a:t>guy-chaumeton.pagesperso-orange.fr</a:t>
+            </a:r>
+            <a:r>
+              <a:rPr lang="fr-FR" sz="1200" dirty="0"/>
+              <a:t>/2dtp07chc.htm</a:t>
+            </a:r>
+          </a:p>
+        </p:txBody>
+      </p:sp>
+    </p:spTree>
+    <p:extLst>
+      <p:ext uri="{BB962C8B-B14F-4D97-AF65-F5344CB8AC3E}">
+        <p14:creationId xmlns:p14="http://schemas.microsoft.com/office/powerpoint/2010/main" val="2891722678"/>
+      </p:ext>
+    </p:extLst>
+  </p:cSld>
+  <p:clrMapOvr>
+    <a:masterClrMapping/>
+  </p:clrMapOvr>
+  <p:timing>
+    <p:tnLst>
+      <p:par>
+        <p:cTn xmlns:p14="http://schemas.microsoft.com/office/powerpoint/2010/main" id="1" dur="indefinite" restart="never" nodeType="tmRoot"/>
+      </p:par>
+    </p:tnLst>
+  </p:timing>
+</p:sld>
+</file>
+
+<file path=ppt/slides/slide7.xml><?xml version="1.0" encoding="utf-8"?>
+<p:sld xmlns:a="http://schemas.openxmlformats.org/drawingml/2006/main" xmlns:r="http://schemas.openxmlformats.org/officeDocument/2006/relationships" xmlns:p="http://schemas.openxmlformats.org/presentationml/2006/main">
+  <p:cSld>
+    <p:spTree>
+      <p:nvGrpSpPr>
+        <p:cNvPr id="1" name=""/>
+        <p:cNvGrpSpPr/>
+        <p:nvPr/>
+      </p:nvGrpSpPr>
+      <p:grpSpPr>
+        <a:xfrm>
+          <a:off x="0" y="0"/>
+          <a:ext cx="0" cy="0"/>
+          <a:chOff x="0" y="0"/>
+          <a:chExt cx="0" cy="0"/>
+        </a:xfrm>
+      </p:grpSpPr>
+      <p:sp>
+        <p:nvSpPr>
+          <p:cNvPr id="2" name="Titre 1"/>
+          <p:cNvSpPr>
+            <a:spLocks noGrp="1"/>
+          </p:cNvSpPr>
+          <p:nvPr>
+            <p:ph type="title"/>
+          </p:nvPr>
+        </p:nvSpPr>
         <p:spPr/>
         <p:txBody>
           <a:bodyPr>
@@ -11911,7 +12999,7 @@
           <a:p>
             <a:fld id="{81C8E63E-4CB2-004B-B081-365B8D55E7E9}" type="slidenum">
               <a:rPr lang="fr-FR" smtClean="0"/>
-              <a:t>4</a:t>
+              <a:t>6</a:t>
             </a:fld>
             <a:endParaRPr lang="fr-FR"/>
           </a:p>
@@ -12009,7 +13097,7 @@
 </p:sld>
 </file>
 
-<file path=ppt/slides/slide6.xml><?xml version="1.0" encoding="utf-8"?>
+<file path=ppt/slides/slide8.xml><?xml version="1.0" encoding="utf-8"?>
 <p:sld xmlns:a="http://schemas.openxmlformats.org/drawingml/2006/main" xmlns:r="http://schemas.openxmlformats.org/officeDocument/2006/relationships" xmlns:p="http://schemas.openxmlformats.org/presentationml/2006/main">
   <p:cSld>
     <p:spTree>
@@ -12095,7 +13183,7 @@
           <a:p>
             <a:fld id="{81C8E63E-4CB2-004B-B081-365B8D55E7E9}" type="slidenum">
               <a:rPr lang="fr-FR" smtClean="0"/>
-              <a:t>5</a:t>
+              <a:t>7</a:t>
             </a:fld>
             <a:endParaRPr lang="fr-FR"/>
           </a:p>
@@ -12172,7 +13260,7 @@
           <p:cNvPr id="10" name="Picture 2" descr="La Vis Tellurique">
             <a:extLst>
               <a:ext uri="{FF2B5EF4-FFF2-40B4-BE49-F238E27FC236}">
-                <a16:creationId xmlns="" xmlns:a16="http://schemas.microsoft.com/office/drawing/2014/main" id="{74B51912-6D64-4709-8247-6178D072A27B}"/>
+                <a16:creationId xmlns:a16="http://schemas.microsoft.com/office/drawing/2014/main" xmlns="" id="{74B51912-6D64-4709-8247-6178D072A27B}"/>
               </a:ext>
             </a:extLst>
           </p:cNvPr>
@@ -12218,350 +13306,6 @@
     <p:extLst>
       <p:ext uri="{BB962C8B-B14F-4D97-AF65-F5344CB8AC3E}">
         <p14:creationId xmlns:p14="http://schemas.microsoft.com/office/powerpoint/2010/main" val="590011301"/>
-      </p:ext>
-    </p:extLst>
-  </p:cSld>
-  <p:clrMapOvr>
-    <a:masterClrMapping/>
-  </p:clrMapOvr>
-  <p:timing>
-    <p:tnLst>
-      <p:par>
-        <p:cTn xmlns:p14="http://schemas.microsoft.com/office/powerpoint/2010/main" id="1" dur="indefinite" restart="never" nodeType="tmRoot"/>
-      </p:par>
-    </p:tnLst>
-  </p:timing>
-</p:sld>
-</file>
-
-<file path=ppt/slides/slide7.xml><?xml version="1.0" encoding="utf-8"?>
-<p:sld xmlns:a="http://schemas.openxmlformats.org/drawingml/2006/main" xmlns:r="http://schemas.openxmlformats.org/officeDocument/2006/relationships" xmlns:p="http://schemas.openxmlformats.org/presentationml/2006/main">
-  <p:cSld>
-    <p:spTree>
-      <p:nvGrpSpPr>
-        <p:cNvPr id="1" name=""/>
-        <p:cNvGrpSpPr/>
-        <p:nvPr/>
-      </p:nvGrpSpPr>
-      <p:grpSpPr>
-        <a:xfrm>
-          <a:off x="0" y="0"/>
-          <a:ext cx="0" cy="0"/>
-          <a:chOff x="0" y="0"/>
-          <a:chExt cx="0" cy="0"/>
-        </a:xfrm>
-      </p:grpSpPr>
-      <p:sp>
-        <p:nvSpPr>
-          <p:cNvPr id="4" name="Espace réservé du pied de page 3"/>
-          <p:cNvSpPr>
-            <a:spLocks noGrp="1"/>
-          </p:cNvSpPr>
-          <p:nvPr>
-            <p:ph type="ftr" sz="quarter" idx="11"/>
-          </p:nvPr>
-        </p:nvSpPr>
-        <p:spPr/>
-        <p:txBody>
-          <a:bodyPr/>
-          <a:lstStyle/>
-          <a:p>
-            <a:r>
-              <a:rPr lang="fr-FR" smtClean="0"/>
-              <a:t>Agrégation - Classification périodique</a:t>
-            </a:r>
-            <a:endParaRPr lang="fr-FR"/>
-          </a:p>
-        </p:txBody>
-      </p:sp>
-      <p:sp>
-        <p:nvSpPr>
-          <p:cNvPr id="5" name="Espace réservé du numéro de diapositive 4"/>
-          <p:cNvSpPr>
-            <a:spLocks noGrp="1"/>
-          </p:cNvSpPr>
-          <p:nvPr>
-            <p:ph type="sldNum" sz="quarter" idx="12"/>
-          </p:nvPr>
-        </p:nvSpPr>
-        <p:spPr/>
-        <p:txBody>
-          <a:bodyPr/>
-          <a:lstStyle/>
-          <a:p>
-            <a:fld id="{81C8E63E-4CB2-004B-B081-365B8D55E7E9}" type="slidenum">
-              <a:rPr lang="fr-FR" smtClean="0"/>
-              <a:t>6</a:t>
-            </a:fld>
-            <a:endParaRPr lang="fr-FR"/>
-          </a:p>
-        </p:txBody>
-      </p:sp>
-      <p:pic>
-        <p:nvPicPr>
-          <p:cNvPr id="6" name="Image 5"/>
-          <p:cNvPicPr>
-            <a:picLocks noChangeAspect="1"/>
-          </p:cNvPicPr>
-          <p:nvPr/>
-        </p:nvPicPr>
-        <p:blipFill>
-          <a:blip r:embed="rId2"/>
-          <a:stretch>
-            <a:fillRect/>
-          </a:stretch>
-        </p:blipFill>
-        <p:spPr>
-          <a:xfrm>
-            <a:off x="733899" y="698240"/>
-            <a:ext cx="2228718" cy="3573804"/>
-          </a:xfrm>
-          <a:prstGeom prst="rect">
-            <a:avLst/>
-          </a:prstGeom>
-        </p:spPr>
-      </p:pic>
-      <p:sp>
-        <p:nvSpPr>
-          <p:cNvPr id="7" name="ZoneTexte 6"/>
-          <p:cNvSpPr txBox="1"/>
-          <p:nvPr/>
-        </p:nvSpPr>
-        <p:spPr>
-          <a:xfrm>
-            <a:off x="0" y="4492944"/>
-            <a:ext cx="4103930" cy="1569660"/>
-          </a:xfrm>
-          <a:prstGeom prst="rect">
-            <a:avLst/>
-          </a:prstGeom>
-          <a:noFill/>
-        </p:spPr>
-        <p:txBody>
-          <a:bodyPr wrap="square" rtlCol="0">
-            <a:spAutoFit/>
-          </a:bodyPr>
-          <a:lstStyle/>
-          <a:p>
-            <a:pPr algn="ctr"/>
-            <a:r>
-              <a:rPr lang="fr-FR" sz="2400" dirty="0" err="1" smtClean="0"/>
-              <a:t>Mendeleiev</a:t>
-            </a:r>
-            <a:r>
-              <a:rPr lang="fr-FR" sz="2400" dirty="0" smtClean="0"/>
-              <a:t> – 1869 </a:t>
-            </a:r>
-          </a:p>
-          <a:p>
-            <a:pPr algn="ctr"/>
-            <a:r>
-              <a:rPr lang="fr-FR" sz="2400" dirty="0" smtClean="0"/>
-              <a:t>Classe les éléments par masse atomique croissante et par propriétés</a:t>
-            </a:r>
-            <a:endParaRPr lang="fr-FR" sz="2400" dirty="0"/>
-          </a:p>
-        </p:txBody>
-      </p:sp>
-      <p:pic>
-        <p:nvPicPr>
-          <p:cNvPr id="8" name="Picture 2" descr="Tableau pÃ©riodique de MendeleÃ¯ev, publiÃ© en 1870">
-            <a:extLst>
-              <a:ext uri="{FF2B5EF4-FFF2-40B4-BE49-F238E27FC236}">
-                <a16:creationId xmlns="" xmlns:a16="http://schemas.microsoft.com/office/drawing/2014/main" id="{DC1613A2-B51A-4CD4-8132-0A20E11CC971}"/>
-              </a:ext>
-            </a:extLst>
-          </p:cNvPr>
-          <p:cNvPicPr>
-            <a:picLocks noChangeAspect="1" noChangeArrowheads="1"/>
-          </p:cNvPicPr>
-          <p:nvPr/>
-        </p:nvPicPr>
-        <p:blipFill>
-          <a:blip r:embed="rId3">
-            <a:extLst>
-              <a:ext uri="{28A0092B-C50C-407E-A947-70E740481C1C}">
-                <a14:useLocalDpi xmlns:a14="http://schemas.microsoft.com/office/drawing/2010/main" val="0"/>
-              </a:ext>
-            </a:extLst>
-          </a:blip>
-          <a:srcRect/>
-          <a:stretch>
-            <a:fillRect/>
-          </a:stretch>
-        </p:blipFill>
-        <p:spPr bwMode="auto">
-          <a:xfrm>
-            <a:off x="5531520" y="846538"/>
-            <a:ext cx="3353529" cy="4219464"/>
-          </a:xfrm>
-          <a:prstGeom prst="rect">
-            <a:avLst/>
-          </a:prstGeom>
-          <a:noFill/>
-          <a:extLst>
-            <a:ext uri="{909E8E84-426E-40dd-AFC4-6F175D3DCCD1}">
-              <a14:hiddenFill xmlns:a14="http://schemas.microsoft.com/office/drawing/2010/main">
-                <a:solidFill>
-                  <a:srgbClr val="FFFFFF"/>
-                </a:solidFill>
-              </a14:hiddenFill>
-            </a:ext>
-          </a:extLst>
-        </p:spPr>
-      </p:pic>
-    </p:spTree>
-    <p:extLst>
-      <p:ext uri="{BB962C8B-B14F-4D97-AF65-F5344CB8AC3E}">
-        <p14:creationId xmlns:p14="http://schemas.microsoft.com/office/powerpoint/2010/main" val="2873414968"/>
-      </p:ext>
-    </p:extLst>
-  </p:cSld>
-  <p:clrMapOvr>
-    <a:masterClrMapping/>
-  </p:clrMapOvr>
-  <p:timing>
-    <p:tnLst>
-      <p:par>
-        <p:cTn xmlns:p14="http://schemas.microsoft.com/office/powerpoint/2010/main" id="1" dur="indefinite" restart="never" nodeType="tmRoot"/>
-      </p:par>
-    </p:tnLst>
-  </p:timing>
-</p:sld>
-</file>
-
-<file path=ppt/slides/slide8.xml><?xml version="1.0" encoding="utf-8"?>
-<p:sld xmlns:a="http://schemas.openxmlformats.org/drawingml/2006/main" xmlns:r="http://schemas.openxmlformats.org/officeDocument/2006/relationships" xmlns:p="http://schemas.openxmlformats.org/presentationml/2006/main">
-  <p:cSld>
-    <p:spTree>
-      <p:nvGrpSpPr>
-        <p:cNvPr id="1" name=""/>
-        <p:cNvGrpSpPr/>
-        <p:nvPr/>
-      </p:nvGrpSpPr>
-      <p:grpSpPr>
-        <a:xfrm>
-          <a:off x="0" y="0"/>
-          <a:ext cx="0" cy="0"/>
-          <a:chOff x="0" y="0"/>
-          <a:chExt cx="0" cy="0"/>
-        </a:xfrm>
-      </p:grpSpPr>
-      <p:sp>
-        <p:nvSpPr>
-          <p:cNvPr id="2" name="Titre 1"/>
-          <p:cNvSpPr>
-            <a:spLocks noGrp="1"/>
-          </p:cNvSpPr>
-          <p:nvPr>
-            <p:ph type="title"/>
-          </p:nvPr>
-        </p:nvSpPr>
-        <p:spPr/>
-        <p:txBody>
-          <a:bodyPr>
-            <a:normAutofit fontScale="90000"/>
-          </a:bodyPr>
-          <a:lstStyle/>
-          <a:p>
-            <a:r>
-              <a:rPr lang="fr-FR" dirty="0" smtClean="0">
-                <a:solidFill>
-                  <a:schemeClr val="accent2"/>
-                </a:solidFill>
-              </a:rPr>
-              <a:t>Tableau périodique actuel, présentation des familles</a:t>
-            </a:r>
-            <a:endParaRPr lang="fr-FR" dirty="0"/>
-          </a:p>
-        </p:txBody>
-      </p:sp>
-      <p:sp>
-        <p:nvSpPr>
-          <p:cNvPr id="4" name="Espace réservé du pied de page 3"/>
-          <p:cNvSpPr>
-            <a:spLocks noGrp="1"/>
-          </p:cNvSpPr>
-          <p:nvPr>
-            <p:ph type="ftr" sz="quarter" idx="11"/>
-          </p:nvPr>
-        </p:nvSpPr>
-        <p:spPr/>
-        <p:txBody>
-          <a:bodyPr/>
-          <a:lstStyle/>
-          <a:p>
-            <a:r>
-              <a:rPr lang="fr-FR" smtClean="0"/>
-              <a:t>Agrégation - Classification périodique</a:t>
-            </a:r>
-            <a:endParaRPr lang="fr-FR"/>
-          </a:p>
-        </p:txBody>
-      </p:sp>
-      <p:sp>
-        <p:nvSpPr>
-          <p:cNvPr id="5" name="Espace réservé du numéro de diapositive 4"/>
-          <p:cNvSpPr>
-            <a:spLocks noGrp="1"/>
-          </p:cNvSpPr>
-          <p:nvPr>
-            <p:ph type="sldNum" sz="quarter" idx="12"/>
-          </p:nvPr>
-        </p:nvSpPr>
-        <p:spPr/>
-        <p:txBody>
-          <a:bodyPr/>
-          <a:lstStyle/>
-          <a:p>
-            <a:fld id="{81C8E63E-4CB2-004B-B081-365B8D55E7E9}" type="slidenum">
-              <a:rPr lang="fr-FR" smtClean="0"/>
-              <a:t>7</a:t>
-            </a:fld>
-            <a:endParaRPr lang="fr-FR"/>
-          </a:p>
-        </p:txBody>
-      </p:sp>
-      <p:pic>
-        <p:nvPicPr>
-          <p:cNvPr id="7" name="Image 6" descr="Capture d’écran 2020-01-30 à 13.06.22.png"/>
-          <p:cNvPicPr>
-            <a:picLocks noChangeAspect="1"/>
-          </p:cNvPicPr>
-          <p:nvPr/>
-        </p:nvPicPr>
-        <p:blipFill>
-          <a:blip r:embed="rId2">
-            <a:extLst>
-              <a:ext uri="{28A0092B-C50C-407E-A947-70E740481C1C}">
-                <a14:useLocalDpi xmlns:a14="http://schemas.microsoft.com/office/drawing/2010/main" val="0"/>
-              </a:ext>
-            </a:extLst>
-          </a:blip>
-          <a:stretch>
-            <a:fillRect/>
-          </a:stretch>
-        </p:blipFill>
-        <p:spPr>
-          <a:xfrm>
-            <a:off x="0" y="1764654"/>
-            <a:ext cx="9144000" cy="4609475"/>
-          </a:xfrm>
-          <a:prstGeom prst="rect">
-            <a:avLst/>
-          </a:prstGeom>
-          <a:scene3d>
-            <a:camera prst="orthographicFront">
-              <a:rot lat="0" lon="0" rev="60000"/>
-            </a:camera>
-            <a:lightRig rig="threePt" dir="t"/>
-          </a:scene3d>
-        </p:spPr>
-      </p:pic>
-    </p:spTree>
-    <p:extLst>
-      <p:ext uri="{BB962C8B-B14F-4D97-AF65-F5344CB8AC3E}">
-        <p14:creationId xmlns:p14="http://schemas.microsoft.com/office/powerpoint/2010/main" val="12751256"/>
       </p:ext>
     </p:extLst>
   </p:cSld>
@@ -12597,75 +13341,6 @@
       </p:grpSpPr>
       <p:sp>
         <p:nvSpPr>
-          <p:cNvPr id="2" name="Titre 1"/>
-          <p:cNvSpPr>
-            <a:spLocks noGrp="1"/>
-          </p:cNvSpPr>
-          <p:nvPr>
-            <p:ph type="title"/>
-          </p:nvPr>
-        </p:nvSpPr>
-        <p:spPr>
-          <a:xfrm>
-            <a:off x="457200" y="274638"/>
-            <a:ext cx="8229600" cy="1143000"/>
-          </a:xfrm>
-        </p:spPr>
-        <p:txBody>
-          <a:bodyPr>
-            <a:normAutofit fontScale="90000"/>
-          </a:bodyPr>
-          <a:lstStyle/>
-          <a:p>
-            <a:r>
-              <a:rPr lang="fr-FR" sz="3200" dirty="0" smtClean="0">
-                <a:solidFill>
-                  <a:srgbClr val="C0504D"/>
-                </a:solidFill>
-              </a:rPr>
-              <a:t>2) Tableau périodique, structure et lien avec </a:t>
-            </a:r>
-            <a:r>
-              <a:rPr lang="fr-FR" sz="3200" dirty="0">
-                <a:solidFill>
-                  <a:srgbClr val="C0504D"/>
-                </a:solidFill>
-              </a:rPr>
-              <a:t>la configuration </a:t>
-            </a:r>
-            <a:r>
-              <a:rPr lang="fr-FR" sz="3200" dirty="0" smtClean="0">
-                <a:solidFill>
-                  <a:srgbClr val="C0504D"/>
-                </a:solidFill>
-              </a:rPr>
-              <a:t>électronique </a:t>
-            </a:r>
-            <a:r>
-              <a:rPr lang="fr-FR" sz="3200" dirty="0">
-                <a:solidFill>
-                  <a:srgbClr val="C0504D"/>
-                </a:solidFill>
-              </a:rPr>
-              <a:t/>
-            </a:r>
-            <a:br>
-              <a:rPr lang="fr-FR" sz="3200" dirty="0">
-                <a:solidFill>
-                  <a:srgbClr val="C0504D"/>
-                </a:solidFill>
-              </a:rPr>
-            </a:br>
-            <a:endParaRPr lang="fr-FR" sz="3200" dirty="0">
-              <a:solidFill>
-                <a:srgbClr val="C0504D"/>
-              </a:solidFill>
-            </a:endParaRPr>
-          </a:p>
-        </p:txBody>
-      </p:sp>
-      <p:sp>
-        <p:nvSpPr>
           <p:cNvPr id="4" name="Espace réservé du pied de page 3"/>
           <p:cNvSpPr>
             <a:spLocks noGrp="1"/>
@@ -12712,38 +13387,121 @@
       </p:sp>
       <p:pic>
         <p:nvPicPr>
-          <p:cNvPr id="3" name="Image 2" descr="Capture d’écran 2020-01-30 à 13.05.19.png"/>
+          <p:cNvPr id="6" name="Image 5"/>
           <p:cNvPicPr>
             <a:picLocks noChangeAspect="1"/>
           </p:cNvPicPr>
           <p:nvPr/>
         </p:nvPicPr>
         <p:blipFill>
-          <a:blip r:embed="rId2">
+          <a:blip r:embed="rId2"/>
+          <a:stretch>
+            <a:fillRect/>
+          </a:stretch>
+        </p:blipFill>
+        <p:spPr>
+          <a:xfrm>
+            <a:off x="733899" y="698240"/>
+            <a:ext cx="2228718" cy="3573804"/>
+          </a:xfrm>
+          <a:prstGeom prst="rect">
+            <a:avLst/>
+          </a:prstGeom>
+        </p:spPr>
+      </p:pic>
+      <p:sp>
+        <p:nvSpPr>
+          <p:cNvPr id="7" name="ZoneTexte 6"/>
+          <p:cNvSpPr txBox="1"/>
+          <p:nvPr/>
+        </p:nvSpPr>
+        <p:spPr>
+          <a:xfrm>
+            <a:off x="0" y="4492944"/>
+            <a:ext cx="4103930" cy="1569660"/>
+          </a:xfrm>
+          <a:prstGeom prst="rect">
+            <a:avLst/>
+          </a:prstGeom>
+          <a:noFill/>
+        </p:spPr>
+        <p:txBody>
+          <a:bodyPr wrap="square" rtlCol="0">
+            <a:spAutoFit/>
+          </a:bodyPr>
+          <a:lstStyle/>
+          <a:p>
+            <a:pPr algn="ctr"/>
+            <a:r>
+              <a:rPr lang="fr-FR" sz="2400" dirty="0" err="1" smtClean="0"/>
+              <a:t>Mendeleiev</a:t>
+            </a:r>
+            <a:r>
+              <a:rPr lang="fr-FR" sz="2400" dirty="0" smtClean="0"/>
+              <a:t> – 1869 </a:t>
+            </a:r>
+          </a:p>
+          <a:p>
+            <a:pPr algn="ctr"/>
+            <a:r>
+              <a:rPr lang="fr-FR" sz="2400" dirty="0" smtClean="0"/>
+              <a:t>Classe les éléments par masse atomique croissante et par propriétés</a:t>
+            </a:r>
+            <a:endParaRPr lang="fr-FR" sz="2400" dirty="0"/>
+          </a:p>
+        </p:txBody>
+      </p:sp>
+      <p:pic>
+        <p:nvPicPr>
+          <p:cNvPr id="8" name="Picture 2" descr="Tableau pÃ©riodique de MendeleÃ¯ev, publiÃ© en 1870">
+            <a:extLst>
+              <a:ext uri="{FF2B5EF4-FFF2-40B4-BE49-F238E27FC236}">
+                <a16:creationId xmlns:a16="http://schemas.microsoft.com/office/drawing/2014/main" xmlns="" id="{DC1613A2-B51A-4CD4-8132-0A20E11CC971}"/>
+              </a:ext>
+            </a:extLst>
+          </p:cNvPr>
+          <p:cNvPicPr>
+            <a:picLocks noChangeAspect="1" noChangeArrowheads="1"/>
+          </p:cNvPicPr>
+          <p:nvPr/>
+        </p:nvPicPr>
+        <p:blipFill>
+          <a:blip r:embed="rId3">
             <a:extLst>
               <a:ext uri="{28A0092B-C50C-407E-A947-70E740481C1C}">
                 <a14:useLocalDpi xmlns:a14="http://schemas.microsoft.com/office/drawing/2010/main" val="0"/>
               </a:ext>
             </a:extLst>
           </a:blip>
+          <a:srcRect/>
           <a:stretch>
             <a:fillRect/>
           </a:stretch>
         </p:blipFill>
-        <p:spPr>
-          <a:xfrm>
-            <a:off x="0" y="1460500"/>
-            <a:ext cx="9144000" cy="3937000"/>
+        <p:spPr bwMode="auto">
+          <a:xfrm>
+            <a:off x="5531520" y="846538"/>
+            <a:ext cx="3353529" cy="4219464"/>
           </a:xfrm>
           <a:prstGeom prst="rect">
             <a:avLst/>
           </a:prstGeom>
+          <a:noFill/>
+          <a:extLst>
+            <a:ext uri="{909E8E84-426E-40dd-AFC4-6F175D3DCCD1}">
+              <a14:hiddenFill xmlns:a14="http://schemas.microsoft.com/office/drawing/2010/main">
+                <a:solidFill>
+                  <a:srgbClr val="FFFFFF"/>
+                </a:solidFill>
+              </a14:hiddenFill>
+            </a:ext>
+          </a:extLst>
         </p:spPr>
       </p:pic>
     </p:spTree>
     <p:extLst>
       <p:ext uri="{BB962C8B-B14F-4D97-AF65-F5344CB8AC3E}">
-        <p14:creationId xmlns:p14="http://schemas.microsoft.com/office/powerpoint/2010/main" val="808264851"/>
+        <p14:creationId xmlns:p14="http://schemas.microsoft.com/office/powerpoint/2010/main" val="2873414968"/>
       </p:ext>
     </p:extLst>
   </p:cSld>
